--- a/회로.pptx
+++ b/회로.pptx
@@ -105,6 +105,11 @@
       </a:defRPr>
     </a:lvl9pPr>
   </p:defaultTextStyle>
+  <p:extLst>
+    <p:ext uri="{EFAFB233-063F-42B5-8137-9DF3F51BA10A}">
+      <p15:sldGuideLst xmlns:p15="http://schemas.microsoft.com/office/powerpoint/2012/main"/>
+    </p:ext>
+  </p:extLst>
 </p:presentation>
 </file>
 
@@ -239,7 +244,7 @@
           <a:p>
             <a:fld id="{8B36985F-A31D-40D0-BDAB-BD1322AE936A}" type="datetimeFigureOut">
               <a:rPr lang="ko-KR" altLang="en-US" smtClean="0"/>
-              <a:t>2016-12-01</a:t>
+              <a:t>2016-12-06</a:t>
             </a:fld>
             <a:endParaRPr lang="ko-KR" altLang="en-US"/>
           </a:p>
@@ -409,7 +414,7 @@
           <a:p>
             <a:fld id="{8B36985F-A31D-40D0-BDAB-BD1322AE936A}" type="datetimeFigureOut">
               <a:rPr lang="ko-KR" altLang="en-US" smtClean="0"/>
-              <a:t>2016-12-01</a:t>
+              <a:t>2016-12-06</a:t>
             </a:fld>
             <a:endParaRPr lang="ko-KR" altLang="en-US"/>
           </a:p>
@@ -589,7 +594,7 @@
           <a:p>
             <a:fld id="{8B36985F-A31D-40D0-BDAB-BD1322AE936A}" type="datetimeFigureOut">
               <a:rPr lang="ko-KR" altLang="en-US" smtClean="0"/>
-              <a:t>2016-12-01</a:t>
+              <a:t>2016-12-06</a:t>
             </a:fld>
             <a:endParaRPr lang="ko-KR" altLang="en-US"/>
           </a:p>
@@ -759,7 +764,7 @@
           <a:p>
             <a:fld id="{8B36985F-A31D-40D0-BDAB-BD1322AE936A}" type="datetimeFigureOut">
               <a:rPr lang="ko-KR" altLang="en-US" smtClean="0"/>
-              <a:t>2016-12-01</a:t>
+              <a:t>2016-12-06</a:t>
             </a:fld>
             <a:endParaRPr lang="ko-KR" altLang="en-US"/>
           </a:p>
@@ -1005,7 +1010,7 @@
           <a:p>
             <a:fld id="{8B36985F-A31D-40D0-BDAB-BD1322AE936A}" type="datetimeFigureOut">
               <a:rPr lang="ko-KR" altLang="en-US" smtClean="0"/>
-              <a:t>2016-12-01</a:t>
+              <a:t>2016-12-06</a:t>
             </a:fld>
             <a:endParaRPr lang="ko-KR" altLang="en-US"/>
           </a:p>
@@ -1237,7 +1242,7 @@
           <a:p>
             <a:fld id="{8B36985F-A31D-40D0-BDAB-BD1322AE936A}" type="datetimeFigureOut">
               <a:rPr lang="ko-KR" altLang="en-US" smtClean="0"/>
-              <a:t>2016-12-01</a:t>
+              <a:t>2016-12-06</a:t>
             </a:fld>
             <a:endParaRPr lang="ko-KR" altLang="en-US"/>
           </a:p>
@@ -1604,7 +1609,7 @@
           <a:p>
             <a:fld id="{8B36985F-A31D-40D0-BDAB-BD1322AE936A}" type="datetimeFigureOut">
               <a:rPr lang="ko-KR" altLang="en-US" smtClean="0"/>
-              <a:t>2016-12-01</a:t>
+              <a:t>2016-12-06</a:t>
             </a:fld>
             <a:endParaRPr lang="ko-KR" altLang="en-US"/>
           </a:p>
@@ -1722,7 +1727,7 @@
           <a:p>
             <a:fld id="{8B36985F-A31D-40D0-BDAB-BD1322AE936A}" type="datetimeFigureOut">
               <a:rPr lang="ko-KR" altLang="en-US" smtClean="0"/>
-              <a:t>2016-12-01</a:t>
+              <a:t>2016-12-06</a:t>
             </a:fld>
             <a:endParaRPr lang="ko-KR" altLang="en-US"/>
           </a:p>
@@ -1817,7 +1822,7 @@
           <a:p>
             <a:fld id="{8B36985F-A31D-40D0-BDAB-BD1322AE936A}" type="datetimeFigureOut">
               <a:rPr lang="ko-KR" altLang="en-US" smtClean="0"/>
-              <a:t>2016-12-01</a:t>
+              <a:t>2016-12-06</a:t>
             </a:fld>
             <a:endParaRPr lang="ko-KR" altLang="en-US"/>
           </a:p>
@@ -2094,7 +2099,7 @@
           <a:p>
             <a:fld id="{8B36985F-A31D-40D0-BDAB-BD1322AE936A}" type="datetimeFigureOut">
               <a:rPr lang="ko-KR" altLang="en-US" smtClean="0"/>
-              <a:t>2016-12-01</a:t>
+              <a:t>2016-12-06</a:t>
             </a:fld>
             <a:endParaRPr lang="ko-KR" altLang="en-US"/>
           </a:p>
@@ -2347,7 +2352,7 @@
           <a:p>
             <a:fld id="{8B36985F-A31D-40D0-BDAB-BD1322AE936A}" type="datetimeFigureOut">
               <a:rPr lang="ko-KR" altLang="en-US" smtClean="0"/>
-              <a:t>2016-12-01</a:t>
+              <a:t>2016-12-06</a:t>
             </a:fld>
             <a:endParaRPr lang="ko-KR" altLang="en-US"/>
           </a:p>
@@ -2560,7 +2565,7 @@
           <a:p>
             <a:fld id="{8B36985F-A31D-40D0-BDAB-BD1322AE936A}" type="datetimeFigureOut">
               <a:rPr lang="ko-KR" altLang="en-US" smtClean="0"/>
-              <a:t>2016-12-01</a:t>
+              <a:t>2016-12-06</a:t>
             </a:fld>
             <a:endParaRPr lang="ko-KR" altLang="en-US"/>
           </a:p>
@@ -3532,8 +3537,8 @@
           </a:stretch>
         </p:blipFill>
         <p:spPr>
-          <a:xfrm>
-            <a:off x="5360586" y="3937186"/>
+          <a:xfrm rot="5400000">
+            <a:off x="5648044" y="3676930"/>
             <a:ext cx="2981325" cy="2076450"/>
           </a:xfrm>
           <a:prstGeom prst="rect">
@@ -3556,7 +3561,7 @@
           </a:stretch>
         </p:blipFill>
         <p:spPr>
-          <a:xfrm>
+          <a:xfrm rot="16200000">
             <a:off x="1898556" y="3477185"/>
             <a:ext cx="2895600" cy="2305050"/>
           </a:xfrm>
@@ -3573,7 +3578,7 @@
         </p:nvSpPr>
         <p:spPr>
           <a:xfrm>
-            <a:off x="3603811" y="4629710"/>
+            <a:off x="3253679" y="3480547"/>
             <a:ext cx="1062317" cy="964266"/>
           </a:xfrm>
           <a:prstGeom prst="rect">
@@ -3632,8 +3637,8 @@
         </p:nvCxnSpPr>
         <p:spPr>
           <a:xfrm flipV="1">
-            <a:off x="4538380" y="2689412"/>
-            <a:ext cx="1284195" cy="1940298"/>
+            <a:off x="4315996" y="2657140"/>
+            <a:ext cx="1506578" cy="1305540"/>
           </a:xfrm>
           <a:prstGeom prst="straightConnector1">
             <a:avLst/>
@@ -3668,8 +3673,8 @@
         </p:nvSpPr>
         <p:spPr>
           <a:xfrm>
-            <a:off x="8592672" y="3434042"/>
-            <a:ext cx="3455894" cy="3139321"/>
+            <a:off x="8462399" y="3434042"/>
+            <a:ext cx="3586167" cy="3139321"/>
           </a:xfrm>
           <a:prstGeom prst="rect">
             <a:avLst/>
@@ -3703,7 +3708,11 @@
             </a:r>
             <a:r>
               <a:rPr lang="en-US" altLang="ko-KR" dirty="0" smtClean="0"/>
-              <a:t>(5V)   -&gt; MP3 </a:t>
+              <a:t>(5V)   -&gt; </a:t>
+            </a:r>
+            <a:r>
+              <a:rPr lang="en-US" altLang="ko-KR" dirty="0" smtClean="0"/>
+              <a:t>Bluetooth </a:t>
             </a:r>
             <a:r>
               <a:rPr lang="ko-KR" altLang="en-US" dirty="0" smtClean="0"/>
@@ -3714,11 +3723,22 @@
           <a:p>
             <a:r>
               <a:rPr lang="en-US" altLang="ko-KR" dirty="0"/>
-              <a:t> 	 </a:t>
+              <a:t>	 </a:t>
             </a:r>
             <a:r>
               <a:rPr lang="en-US" altLang="ko-KR" dirty="0" smtClean="0"/>
-              <a:t>    Bluetooth </a:t>
+              <a:t>    LED </a:t>
+            </a:r>
+            <a:endParaRPr lang="en-US" altLang="ko-KR" dirty="0" smtClean="0"/>
+          </a:p>
+          <a:p>
+            <a:r>
+              <a:rPr lang="en-US" altLang="ko-KR" dirty="0" err="1" smtClean="0"/>
+              <a:t>Vcc</a:t>
+            </a:r>
+            <a:r>
+              <a:rPr lang="en-US" altLang="ko-KR" dirty="0" smtClean="0"/>
+              <a:t>(3.3V) -&gt; MP3</a:t>
             </a:r>
             <a:r>
               <a:rPr lang="ko-KR" altLang="en-US" dirty="0" smtClean="0"/>
@@ -3728,18 +3748,12 @@
           </a:p>
           <a:p>
             <a:r>
-              <a:rPr lang="en-US" altLang="ko-KR" dirty="0"/>
-              <a:t>	 </a:t>
-            </a:r>
-            <a:r>
               <a:rPr lang="en-US" altLang="ko-KR" dirty="0" smtClean="0"/>
-              <a:t>    LED </a:t>
-            </a:r>
-          </a:p>
-          <a:p>
+              <a:t>GND2     </a:t>
+            </a:r>
             <a:r>
               <a:rPr lang="en-US" altLang="ko-KR" dirty="0" smtClean="0"/>
-              <a:t>GND      -&gt; MP3</a:t>
+              <a:t>-&gt; MP3</a:t>
             </a:r>
             <a:r>
               <a:rPr lang="ko-KR" altLang="en-US" dirty="0"/>
@@ -3753,83 +3767,115 @@
           </a:p>
           <a:p>
             <a:r>
+              <a:rPr lang="en-US" altLang="ko-KR" dirty="0" smtClean="0"/>
+              <a:t>GND1     -&gt; </a:t>
+            </a:r>
+            <a:r>
+              <a:rPr lang="en-US" altLang="ko-KR" dirty="0" smtClean="0"/>
+              <a:t>Bluetooth </a:t>
+            </a:r>
+            <a:r>
+              <a:rPr lang="ko-KR" altLang="en-US" dirty="0" smtClean="0"/>
+              <a:t>모듈</a:t>
+            </a:r>
+            <a:endParaRPr lang="en-US" altLang="ko-KR" dirty="0" smtClean="0"/>
+          </a:p>
+          <a:p>
+            <a:r>
+              <a:rPr lang="en-US" altLang="ko-KR" dirty="0" smtClean="0"/>
+              <a:t>PWM     </a:t>
+            </a:r>
+            <a:r>
+              <a:rPr lang="en-US" altLang="ko-KR" dirty="0" smtClean="0"/>
+              <a:t> -&gt; </a:t>
+            </a:r>
+            <a:r>
+              <a:rPr lang="en-US" altLang="ko-KR" dirty="0" smtClean="0"/>
+              <a:t>LED(3</a:t>
+            </a:r>
+            <a:r>
+              <a:rPr lang="ko-KR" altLang="en-US" dirty="0" smtClean="0"/>
+              <a:t>개</a:t>
+            </a:r>
+            <a:r>
+              <a:rPr lang="en-US" altLang="ko-KR" dirty="0" smtClean="0"/>
+              <a:t>) , 		  </a:t>
+            </a:r>
+            <a:r>
+              <a:rPr lang="en-US" altLang="ko-KR" dirty="0" smtClean="0"/>
+              <a:t>    </a:t>
+            </a:r>
+            <a:r>
+              <a:rPr lang="en-US" altLang="ko-KR" dirty="0" smtClean="0"/>
+              <a:t>BUSY(Mp3</a:t>
+            </a:r>
+            <a:r>
+              <a:rPr lang="ko-KR" altLang="en-US" dirty="0" smtClean="0"/>
+              <a:t> </a:t>
+            </a:r>
+            <a:r>
+              <a:rPr lang="en-US" altLang="ko-KR" dirty="0" smtClean="0"/>
+              <a:t>1</a:t>
+            </a:r>
+            <a:r>
+              <a:rPr lang="ko-KR" altLang="en-US" dirty="0" smtClean="0"/>
+              <a:t>개</a:t>
+            </a:r>
+            <a:r>
+              <a:rPr lang="en-US" altLang="ko-KR" dirty="0" smtClean="0"/>
+              <a:t>)</a:t>
+            </a:r>
+          </a:p>
+          <a:p>
+            <a:r>
+              <a:rPr lang="ko-KR" altLang="en-US" dirty="0" smtClean="0"/>
+              <a:t>디지털 </a:t>
+            </a:r>
+            <a:r>
+              <a:rPr lang="ko-KR" altLang="en-US" dirty="0" smtClean="0"/>
+              <a:t>핀 </a:t>
+            </a:r>
+            <a:r>
+              <a:rPr lang="en-US" altLang="ko-KR" dirty="0" smtClean="0"/>
+              <a:t>-&gt; </a:t>
+            </a:r>
+            <a:r>
+              <a:rPr lang="en-US" altLang="ko-KR" dirty="0" smtClean="0"/>
+              <a:t>MP3 </a:t>
+            </a:r>
+            <a:r>
+              <a:rPr lang="ko-KR" altLang="en-US" dirty="0" smtClean="0"/>
+              <a:t>모듈</a:t>
+            </a:r>
+            <a:r>
+              <a:rPr lang="en-US" altLang="ko-KR" dirty="0" smtClean="0"/>
+              <a:t>(2</a:t>
+            </a:r>
+            <a:r>
+              <a:rPr lang="ko-KR" altLang="en-US" dirty="0" smtClean="0"/>
+              <a:t>개</a:t>
+            </a:r>
+            <a:r>
+              <a:rPr lang="en-US" altLang="ko-KR" dirty="0" smtClean="0"/>
+              <a:t>)</a:t>
+            </a:r>
+          </a:p>
+          <a:p>
+            <a:r>
               <a:rPr lang="en-US" altLang="ko-KR" dirty="0"/>
               <a:t>	</a:t>
             </a:r>
             <a:r>
               <a:rPr lang="en-US" altLang="ko-KR" dirty="0" smtClean="0"/>
-              <a:t>     Bluetooth </a:t>
-            </a:r>
-            <a:r>
-              <a:rPr lang="ko-KR" altLang="en-US" dirty="0" smtClean="0"/>
-              <a:t>모듈</a:t>
-            </a:r>
-            <a:endParaRPr lang="en-US" altLang="ko-KR" dirty="0" smtClean="0"/>
-          </a:p>
-          <a:p>
+              <a:t>   </a:t>
+            </a:r>
             <a:r>
               <a:rPr lang="en-US" altLang="ko-KR" dirty="0" smtClean="0"/>
-              <a:t>PWM     -&gt; LED(3</a:t>
-            </a:r>
-            <a:r>
-              <a:rPr lang="ko-KR" altLang="en-US" dirty="0" smtClean="0"/>
-              <a:t>개</a:t>
+              <a:t>   </a:t>
             </a:r>
             <a:r>
               <a:rPr lang="en-US" altLang="ko-KR" dirty="0" smtClean="0"/>
-              <a:t>) , 		     BUSY(Mp3</a:t>
-            </a:r>
-            <a:r>
-              <a:rPr lang="ko-KR" altLang="en-US" dirty="0" smtClean="0"/>
-              <a:t> </a:t>
-            </a:r>
-            <a:r>
-              <a:rPr lang="en-US" altLang="ko-KR" dirty="0" smtClean="0"/>
-              <a:t>1</a:t>
-            </a:r>
-            <a:r>
-              <a:rPr lang="ko-KR" altLang="en-US" dirty="0" smtClean="0"/>
-              <a:t>개</a:t>
-            </a:r>
-            <a:r>
-              <a:rPr lang="en-US" altLang="ko-KR" dirty="0" smtClean="0"/>
-              <a:t>)</a:t>
-            </a:r>
-          </a:p>
-          <a:p>
-            <a:r>
-              <a:rPr lang="ko-KR" altLang="en-US" dirty="0" smtClean="0"/>
-              <a:t>디지털 핀</a:t>
-            </a:r>
-            <a:r>
-              <a:rPr lang="en-US" altLang="ko-KR" dirty="0" smtClean="0"/>
-              <a:t>-&gt; MP3 </a:t>
-            </a:r>
-            <a:r>
-              <a:rPr lang="ko-KR" altLang="en-US" dirty="0" smtClean="0"/>
-              <a:t>모듈</a:t>
-            </a:r>
-            <a:r>
-              <a:rPr lang="en-US" altLang="ko-KR" dirty="0" smtClean="0"/>
-              <a:t>(2</a:t>
-            </a:r>
-            <a:r>
-              <a:rPr lang="ko-KR" altLang="en-US" dirty="0" smtClean="0"/>
-              <a:t>개</a:t>
-            </a:r>
-            <a:r>
-              <a:rPr lang="en-US" altLang="ko-KR" dirty="0" smtClean="0"/>
-              <a:t>)</a:t>
-            </a:r>
-          </a:p>
-          <a:p>
-            <a:r>
-              <a:rPr lang="en-US" altLang="ko-KR" dirty="0"/>
-              <a:t>	</a:t>
-            </a:r>
-            <a:r>
-              <a:rPr lang="en-US" altLang="ko-KR" dirty="0" smtClean="0"/>
-              <a:t>     Bluetooth</a:t>
+              <a:t>Bluetooth</a:t>
             </a:r>
             <a:r>
               <a:rPr lang="ko-KR" altLang="en-US" dirty="0" smtClean="0"/>
